--- a/Presentation.pptx
+++ b/Presentation.pptx
@@ -5,21 +5,20 @@
     <p:sldMasterId id="2147484093" r:id="rId1"/>
   </p:sldMasterIdLst>
   <p:notesMasterIdLst>
-    <p:notesMasterId r:id="rId14"/>
+    <p:notesMasterId r:id="rId13"/>
   </p:notesMasterIdLst>
   <p:sldIdLst>
     <p:sldId id="256" r:id="rId2"/>
     <p:sldId id="257" r:id="rId3"/>
     <p:sldId id="259" r:id="rId4"/>
     <p:sldId id="258" r:id="rId5"/>
-    <p:sldId id="267" r:id="rId6"/>
-    <p:sldId id="265" r:id="rId7"/>
-    <p:sldId id="268" r:id="rId8"/>
-    <p:sldId id="266" r:id="rId9"/>
-    <p:sldId id="260" r:id="rId10"/>
-    <p:sldId id="261" r:id="rId11"/>
-    <p:sldId id="264" r:id="rId12"/>
-    <p:sldId id="262" r:id="rId13"/>
+    <p:sldId id="265" r:id="rId6"/>
+    <p:sldId id="268" r:id="rId7"/>
+    <p:sldId id="266" r:id="rId8"/>
+    <p:sldId id="260" r:id="rId9"/>
+    <p:sldId id="261" r:id="rId10"/>
+    <p:sldId id="264" r:id="rId11"/>
+    <p:sldId id="262" r:id="rId12"/>
   </p:sldIdLst>
   <p:sldSz cx="12192000" cy="6858000"/>
   <p:notesSz cx="6858000" cy="9144000"/>
@@ -8223,103 +8222,6 @@
           <a:p>
             <a:r>
               <a:rPr lang="en-US" dirty="0" smtClean="0"/>
-              <a:t>Table: Update Inventory</a:t>
-            </a:r>
-            <a:endParaRPr lang="en-US" dirty="0"/>
-          </a:p>
-        </p:txBody>
-      </p:sp>
-      <p:sp>
-        <p:nvSpPr>
-          <p:cNvPr id="3" name="Content Placeholder 2"/>
-          <p:cNvSpPr>
-            <a:spLocks noGrp="1"/>
-          </p:cNvSpPr>
-          <p:nvPr>
-            <p:ph idx="1"/>
-          </p:nvPr>
-        </p:nvSpPr>
-        <p:spPr/>
-        <p:txBody>
-          <a:bodyPr/>
-          <a:lstStyle/>
-          <a:p>
-            <a:r>
-              <a:rPr lang="en-US" dirty="0" smtClean="0"/>
-              <a:t>The Update Inventory table shows the latest inventory available in the pantry.</a:t>
-            </a:r>
-          </a:p>
-          <a:p>
-            <a:r>
-              <a:rPr lang="en-US" dirty="0" smtClean="0"/>
-              <a:t>Also, it show the donor information, the date it was donated, and the count of what is left.</a:t>
-            </a:r>
-          </a:p>
-          <a:p>
-            <a:r>
-              <a:rPr lang="en-US" dirty="0" smtClean="0"/>
-              <a:t>The count will update itself as students submit their food order.</a:t>
-            </a:r>
-          </a:p>
-          <a:p>
-            <a:endParaRPr lang="en-US" dirty="0"/>
-          </a:p>
-        </p:txBody>
-      </p:sp>
-    </p:spTree>
-    <p:extLst>
-      <p:ext uri="{BB962C8B-B14F-4D97-AF65-F5344CB8AC3E}">
-        <p14:creationId xmlns:p14="http://schemas.microsoft.com/office/powerpoint/2010/main" val="401209332"/>
-      </p:ext>
-    </p:extLst>
-  </p:cSld>
-  <p:clrMapOvr>
-    <a:masterClrMapping/>
-  </p:clrMapOvr>
-  <p:timing>
-    <p:tnLst>
-      <p:par>
-        <p:cTn id="1" dur="indefinite" restart="never" nodeType="tmRoot"/>
-      </p:par>
-    </p:tnLst>
-  </p:timing>
-</p:sld>
-</file>
-
-<file path=ppt/slides/slide11.xml><?xml version="1.0" encoding="utf-8"?>
-<p:sld xmlns:a="http://schemas.openxmlformats.org/drawingml/2006/main" xmlns:r="http://schemas.openxmlformats.org/officeDocument/2006/relationships" xmlns:p="http://schemas.openxmlformats.org/presentationml/2006/main">
-  <p:cSld>
-    <p:spTree>
-      <p:nvGrpSpPr>
-        <p:cNvPr id="1" name=""/>
-        <p:cNvGrpSpPr/>
-        <p:nvPr/>
-      </p:nvGrpSpPr>
-      <p:grpSpPr>
-        <a:xfrm>
-          <a:off x="0" y="0"/>
-          <a:ext cx="0" cy="0"/>
-          <a:chOff x="0" y="0"/>
-          <a:chExt cx="0" cy="0"/>
-        </a:xfrm>
-      </p:grpSpPr>
-      <p:sp>
-        <p:nvSpPr>
-          <p:cNvPr id="2" name="Title 1"/>
-          <p:cNvSpPr>
-            <a:spLocks noGrp="1"/>
-          </p:cNvSpPr>
-          <p:nvPr>
-            <p:ph type="title"/>
-          </p:nvPr>
-        </p:nvSpPr>
-        <p:spPr/>
-        <p:txBody>
-          <a:bodyPr/>
-          <a:lstStyle/>
-          <a:p>
-            <a:r>
-              <a:rPr lang="en-US" dirty="0" smtClean="0"/>
               <a:t>Features still missing</a:t>
             </a:r>
             <a:br>
@@ -8355,13 +8257,21 @@
           <a:p>
             <a:r>
               <a:rPr lang="en-US" dirty="0" smtClean="0"/>
-              <a:t>Calendar to show only the dates that the pantry is open</a:t>
-            </a:r>
-          </a:p>
-          <a:p>
+              <a:t>Calendar </a:t>
+            </a:r>
             <a:r>
               <a:rPr lang="en-US" dirty="0" smtClean="0"/>
-              <a:t>Set limit for max orders of 2 times per month</a:t>
+              <a:t>to only show dates pantry is open</a:t>
+            </a:r>
+          </a:p>
+          <a:p>
+            <a:r>
+              <a:rPr lang="en-US" dirty="0" smtClean="0"/>
+              <a:t>Set </a:t>
+            </a:r>
+            <a:r>
+              <a:rPr lang="en-US" dirty="0" smtClean="0"/>
+              <a:t>limit for max orders of 2 times per month</a:t>
             </a:r>
           </a:p>
         </p:txBody>
@@ -8386,7 +8296,7 @@
 </p:sld>
 </file>
 
-<file path=ppt/slides/slide12.xml><?xml version="1.0" encoding="utf-8"?>
+<file path=ppt/slides/slide11.xml><?xml version="1.0" encoding="utf-8"?>
 <p:sld xmlns:a="http://schemas.openxmlformats.org/drawingml/2006/main" xmlns:r="http://schemas.openxmlformats.org/officeDocument/2006/relationships" xmlns:p="http://schemas.openxmlformats.org/presentationml/2006/main">
   <p:cSld>
     <p:spTree>
@@ -8846,7 +8756,7 @@
           <a:p>
             <a:r>
               <a:rPr lang="en-US" dirty="0" smtClean="0"/>
-              <a:t>Use Case: Order Pickup</a:t>
+              <a:t>Use Case: Remove Button</a:t>
             </a:r>
             <a:endParaRPr lang="en-US" dirty="0"/>
           </a:p>
@@ -8869,28 +8779,42 @@
           <a:p>
             <a:r>
               <a:rPr lang="en-US" dirty="0" smtClean="0"/>
-              <a:t>The student will place an order using the online form.</a:t>
+              <a:t>The button will remove the whole table row in the inventory table.</a:t>
             </a:r>
           </a:p>
           <a:p>
             <a:r>
               <a:rPr lang="en-US" dirty="0" smtClean="0"/>
-              <a:t>The system will text (to be implemented) the student when the package is ready based on the packaged button on the student orders table.</a:t>
+              <a:t>There is an alert sent to make sure that you want to remove the row i.e. Are you sure you want to remove this row?</a:t>
             </a:r>
           </a:p>
           <a:p>
             <a:r>
               <a:rPr lang="en-US" dirty="0" smtClean="0"/>
-              <a:t>The student will pickup the food with their student ID.</a:t>
-            </a:r>
-            <a:endParaRPr lang="en-US" dirty="0"/>
+              <a:t>If you click “Ok”, the row will be removed.</a:t>
+            </a:r>
+          </a:p>
+          <a:p>
+            <a:r>
+              <a:rPr lang="en-US" dirty="0" smtClean="0"/>
+              <a:t>If you click “Cancel”, the row will stay.</a:t>
+            </a:r>
+          </a:p>
+          <a:p>
+            <a:r>
+              <a:rPr lang="en-US" dirty="0" smtClean="0"/>
+              <a:t>Currently, the button will only work if the food has not been ordered.</a:t>
+            </a:r>
+          </a:p>
+          <a:p>
+            <a:endParaRPr lang="en-US" dirty="0" smtClean="0"/>
           </a:p>
         </p:txBody>
       </p:sp>
     </p:spTree>
     <p:extLst>
       <p:ext uri="{BB962C8B-B14F-4D97-AF65-F5344CB8AC3E}">
-        <p14:creationId xmlns:p14="http://schemas.microsoft.com/office/powerpoint/2010/main" val="136219443"/>
+        <p14:creationId xmlns:p14="http://schemas.microsoft.com/office/powerpoint/2010/main" val="1558631534"/>
       </p:ext>
     </p:extLst>
   </p:cSld>
@@ -8941,7 +8865,7 @@
           <a:p>
             <a:r>
               <a:rPr lang="en-US" dirty="0" smtClean="0"/>
-              <a:t>Use Case: Remove Button</a:t>
+              <a:t>Use Case: Packaged/Picked up checkboxes</a:t>
             </a:r>
             <a:endParaRPr lang="en-US" dirty="0"/>
           </a:p>
@@ -8964,42 +8888,28 @@
           <a:p>
             <a:r>
               <a:rPr lang="en-US" dirty="0" smtClean="0"/>
-              <a:t>The button will remove the whole table row in the inventory table.</a:t>
+              <a:t>These checkboxes will be used to show when the orders are packaged and picked up.</a:t>
             </a:r>
           </a:p>
           <a:p>
             <a:r>
               <a:rPr lang="en-US" dirty="0" smtClean="0"/>
-              <a:t>There is an alert sent to make sure that you want to remove the row i.e. Are you sure you want to remove this row?</a:t>
+              <a:t>The pantry staff user has to simply check the box when the order is packaged, and a text (to be implemented) will be sent to the student to alert that their package is ready to be picked up. </a:t>
             </a:r>
           </a:p>
           <a:p>
             <a:r>
               <a:rPr lang="en-US" dirty="0" smtClean="0"/>
-              <a:t>If you click “Ok”, the row will be removed.</a:t>
-            </a:r>
-          </a:p>
-          <a:p>
-            <a:r>
-              <a:rPr lang="en-US" dirty="0" smtClean="0"/>
-              <a:t>If you click “Cancel”, the row will stay.</a:t>
-            </a:r>
-          </a:p>
-          <a:p>
-            <a:r>
-              <a:rPr lang="en-US" dirty="0" smtClean="0"/>
-              <a:t>Currently, the button will only work if the food has not been ordered.</a:t>
-            </a:r>
-          </a:p>
-          <a:p>
-            <a:endParaRPr lang="en-US" dirty="0" smtClean="0"/>
+              <a:t>Once the student has picked up their order, the pantry staff user simply checks the pickup button to show that the order has been picked up. </a:t>
+            </a:r>
+            <a:endParaRPr lang="en-US" dirty="0"/>
           </a:p>
         </p:txBody>
       </p:sp>
     </p:spTree>
     <p:extLst>
       <p:ext uri="{BB962C8B-B14F-4D97-AF65-F5344CB8AC3E}">
-        <p14:creationId xmlns:p14="http://schemas.microsoft.com/office/powerpoint/2010/main" val="1558631534"/>
+        <p14:creationId xmlns:p14="http://schemas.microsoft.com/office/powerpoint/2010/main" val="1188763491"/>
       </p:ext>
     </p:extLst>
   </p:cSld>
@@ -9050,7 +8960,7 @@
           <a:p>
             <a:r>
               <a:rPr lang="en-US" dirty="0" smtClean="0"/>
-              <a:t>Use Case: Packaged/Picked up checkboxes</a:t>
+              <a:t>Use Case: Predictions</a:t>
             </a:r>
             <a:endParaRPr lang="en-US" dirty="0"/>
           </a:p>
@@ -9073,19 +8983,28 @@
           <a:p>
             <a:r>
               <a:rPr lang="en-US" dirty="0" smtClean="0"/>
-              <a:t>These checkboxes will be used to show when the orders are packaged and picked up.</a:t>
-            </a:r>
-          </a:p>
-          <a:p>
+              <a:t>The prediction button will show future predictions based on past data from the </a:t>
+            </a:r>
             <a:r>
               <a:rPr lang="en-US" dirty="0" smtClean="0"/>
-              <a:t>The pantry staff user has to simply check the box when the order is packaged, and a text (to be implemented) will be sent to the student to alert that their package is ready to be picked up. </a:t>
-            </a:r>
+              <a:t>pantry, displayed in a graph.</a:t>
+            </a:r>
+            <a:endParaRPr lang="en-US" dirty="0" smtClean="0"/>
           </a:p>
           <a:p>
             <a:r>
               <a:rPr lang="en-US" dirty="0" smtClean="0"/>
-              <a:t>Once the student has picked up their order, the pantry staff user simply checks the pickup button to show that the order has been picked up. </a:t>
+              <a:t>Right now, it may not be very useful because the pantry is just opening, but in the future it can be very important.</a:t>
+            </a:r>
+          </a:p>
+          <a:p>
+            <a:r>
+              <a:rPr lang="en-US" dirty="0" smtClean="0"/>
+              <a:t>It will give you a report on what foods are predicted to be most/least in demand in the coming </a:t>
+            </a:r>
+            <a:r>
+              <a:rPr lang="en-US" dirty="0" smtClean="0"/>
+              <a:t>semesters, as well as patterns that are likely to occur (seasonal trends). </a:t>
             </a:r>
             <a:endParaRPr lang="en-US" dirty="0"/>
           </a:p>
@@ -9094,7 +9013,7 @@
     </p:spTree>
     <p:extLst>
       <p:ext uri="{BB962C8B-B14F-4D97-AF65-F5344CB8AC3E}">
-        <p14:creationId xmlns:p14="http://schemas.microsoft.com/office/powerpoint/2010/main" val="1188763491"/>
+        <p14:creationId xmlns:p14="http://schemas.microsoft.com/office/powerpoint/2010/main" val="68633318"/>
       </p:ext>
     </p:extLst>
   </p:cSld>
@@ -9145,7 +9064,7 @@
           <a:p>
             <a:r>
               <a:rPr lang="en-US" dirty="0" smtClean="0"/>
-              <a:t>Use Case: Predictions</a:t>
+              <a:t>Table: Student Orders	</a:t>
             </a:r>
             <a:endParaRPr lang="en-US" dirty="0"/>
           </a:p>
@@ -9163,33 +9082,32 @@
         </p:nvSpPr>
         <p:spPr/>
         <p:txBody>
-          <a:bodyPr/>
+          <a:bodyPr>
+            <a:normAutofit/>
+          </a:bodyPr>
           <a:lstStyle/>
           <a:p>
             <a:r>
               <a:rPr lang="en-US" dirty="0" smtClean="0"/>
-              <a:t>The prediction button will show future predictions based on past data from the </a:t>
-            </a:r>
+              <a:t>The Student Orders table will show the incoming orders as they are being submitted by the students. </a:t>
+            </a:r>
+          </a:p>
+          <a:p>
             <a:r>
               <a:rPr lang="en-US" dirty="0" smtClean="0"/>
-              <a:t>pantry, displayed in a graph.</a:t>
-            </a:r>
-            <a:endParaRPr lang="en-US" dirty="0" smtClean="0"/>
+              <a:t>It will update in real-time so the page does not have to be manually refreshed. Every minute the page will refresh itself.</a:t>
+            </a:r>
           </a:p>
           <a:p>
             <a:r>
               <a:rPr lang="en-US" dirty="0" smtClean="0"/>
-              <a:t>Right now, it may not be very useful because the pantry is just opening, but in the future it can be very important.</a:t>
+              <a:t>There is a packaged button to alert the students (via text if they signed up) when their package is ready to be picked up.</a:t>
             </a:r>
           </a:p>
           <a:p>
             <a:r>
               <a:rPr lang="en-US" dirty="0" smtClean="0"/>
-              <a:t>It will give you a report on what foods are predicted to be most/least in demand in the coming </a:t>
-            </a:r>
-            <a:r>
-              <a:rPr lang="en-US" dirty="0" smtClean="0"/>
-              <a:t>semesters, as well as patterns that are likely to occur (seasonal trends). </a:t>
+              <a:t>There is a pickup button that can be checked after the student comes to get their order. </a:t>
             </a:r>
             <a:endParaRPr lang="en-US" dirty="0"/>
           </a:p>
@@ -9198,7 +9116,7 @@
     </p:spTree>
     <p:extLst>
       <p:ext uri="{BB962C8B-B14F-4D97-AF65-F5344CB8AC3E}">
-        <p14:creationId xmlns:p14="http://schemas.microsoft.com/office/powerpoint/2010/main" val="68633318"/>
+        <p14:creationId xmlns:p14="http://schemas.microsoft.com/office/powerpoint/2010/main" val="830535558"/>
       </p:ext>
     </p:extLst>
   </p:cSld>
@@ -9249,7 +9167,7 @@
           <a:p>
             <a:r>
               <a:rPr lang="en-US" dirty="0" smtClean="0"/>
-              <a:t>Table: Student Orders	</a:t>
+              <a:t>Table: Update Inventory</a:t>
             </a:r>
             <a:endParaRPr lang="en-US" dirty="0"/>
           </a:p>
@@ -9267,33 +9185,27 @@
         </p:nvSpPr>
         <p:spPr/>
         <p:txBody>
-          <a:bodyPr>
-            <a:normAutofit/>
-          </a:bodyPr>
+          <a:bodyPr/>
           <a:lstStyle/>
           <a:p>
             <a:r>
               <a:rPr lang="en-US" dirty="0" smtClean="0"/>
-              <a:t>The Student Orders table will show the incoming orders as they are being submitted by the students. </a:t>
+              <a:t>The Update Inventory table shows the latest inventory available in the pantry.</a:t>
             </a:r>
           </a:p>
           <a:p>
             <a:r>
               <a:rPr lang="en-US" dirty="0" smtClean="0"/>
-              <a:t>It will update in real-time so the page does not have to be manually refreshed. Every minute the page will refresh itself.</a:t>
+              <a:t>Also, it show the donor information, the date it was donated, and the count of what is left.</a:t>
             </a:r>
           </a:p>
           <a:p>
             <a:r>
               <a:rPr lang="en-US" dirty="0" smtClean="0"/>
-              <a:t>There is a packaged button to alert the students (via text if they signed up) when their package is ready to be picked up.</a:t>
-            </a:r>
-          </a:p>
-          <a:p>
-            <a:r>
-              <a:rPr lang="en-US" dirty="0" smtClean="0"/>
-              <a:t>There is a pickup button that can be checked after the student comes to get their order. </a:t>
-            </a:r>
+              <a:t>The count will update itself as students submit their food order.</a:t>
+            </a:r>
+          </a:p>
+          <a:p>
             <a:endParaRPr lang="en-US" dirty="0"/>
           </a:p>
         </p:txBody>
@@ -9301,7 +9213,7 @@
     </p:spTree>
     <p:extLst>
       <p:ext uri="{BB962C8B-B14F-4D97-AF65-F5344CB8AC3E}">
-        <p14:creationId xmlns:p14="http://schemas.microsoft.com/office/powerpoint/2010/main" val="830535558"/>
+        <p14:creationId xmlns:p14="http://schemas.microsoft.com/office/powerpoint/2010/main" val="401209332"/>
       </p:ext>
     </p:extLst>
   </p:cSld>

--- a/Presentation.pptx
+++ b/Presentation.pptx
@@ -8091,7 +8091,7 @@
   </p:txStyles>
   <p:extLst>
     <p:ext uri="{27BBF7A9-308A-43DC-89C8-2F10F3537804}">
-      <p15:sldGuideLst xmlns:p15="http://schemas.microsoft.com/office/powerpoint/2012/main" xmlns=""/>
+      <p15:sldGuideLst xmlns="" xmlns:p15="http://schemas.microsoft.com/office/powerpoint/2012/main"/>
     </p:ext>
   </p:extLst>
 </p:sldMaster>
@@ -8257,21 +8257,13 @@
           <a:p>
             <a:r>
               <a:rPr lang="en-US" dirty="0" smtClean="0"/>
-              <a:t>Calendar </a:t>
-            </a:r>
+              <a:t>Calendar to only show dates pantry is open</a:t>
+            </a:r>
+          </a:p>
+          <a:p>
             <a:r>
               <a:rPr lang="en-US" dirty="0" smtClean="0"/>
-              <a:t>to only show dates pantry is open</a:t>
-            </a:r>
-          </a:p>
-          <a:p>
-            <a:r>
-              <a:rPr lang="en-US" dirty="0" smtClean="0"/>
-              <a:t>Set </a:t>
-            </a:r>
-            <a:r>
-              <a:rPr lang="en-US" dirty="0" smtClean="0"/>
-              <a:t>limit for max orders of 2 times per month</a:t>
+              <a:t>Set limit for max orders of 2 times per month</a:t>
             </a:r>
           </a:p>
         </p:txBody>
@@ -8983,13 +8975,8 @@
           <a:p>
             <a:r>
               <a:rPr lang="en-US" dirty="0" smtClean="0"/>
-              <a:t>The prediction button will show future predictions based on past data from the </a:t>
-            </a:r>
-            <a:r>
-              <a:rPr lang="en-US" dirty="0" smtClean="0"/>
-              <a:t>pantry, displayed in a graph.</a:t>
-            </a:r>
-            <a:endParaRPr lang="en-US" dirty="0" smtClean="0"/>
+              <a:t>The prediction button will show future predictions based on past data from the pantry, displayed in a graph.</a:t>
+            </a:r>
           </a:p>
           <a:p>
             <a:r>
@@ -9000,11 +8987,7 @@
           <a:p>
             <a:r>
               <a:rPr lang="en-US" dirty="0" smtClean="0"/>
-              <a:t>It will give you a report on what foods are predicted to be most/least in demand in the coming </a:t>
-            </a:r>
-            <a:r>
-              <a:rPr lang="en-US" dirty="0" smtClean="0"/>
-              <a:t>semesters, as well as patterns that are likely to occur (seasonal trends). </a:t>
+              <a:t>It will give you a report on what foods are predicted to be most/least in demand in the coming semesters, as well as patterns that are likely to occur (seasonal trends). </a:t>
             </a:r>
             <a:endParaRPr lang="en-US" dirty="0"/>
           </a:p>
@@ -9196,7 +9179,15 @@
           <a:p>
             <a:r>
               <a:rPr lang="en-US" dirty="0" smtClean="0"/>
-              <a:t>Also, it show the donor information, the date it was donated, and the count of what is left.</a:t>
+              <a:t>Also, it </a:t>
+            </a:r>
+            <a:r>
+              <a:rPr lang="en-US" dirty="0" smtClean="0"/>
+              <a:t>shows items such as; </a:t>
+            </a:r>
+            <a:r>
+              <a:rPr lang="en-US" dirty="0" smtClean="0"/>
+              <a:t>the donor information, the date it was donated, and the count of what is left.</a:t>
             </a:r>
           </a:p>
           <a:p>
@@ -9478,7 +9469,7 @@
   <a:extraClrSchemeLst/>
   <a:extLst>
     <a:ext uri="{05A4C25C-085E-4340-85A3-A5531E510DB2}">
-      <thm15:themeFamily xmlns:thm15="http://schemas.microsoft.com/office/thememl/2012/main" xmlns="" name="Berlin" id="{7B5DBA9E-B069-418E-9360-A61BDD0615A4}" vid="{B587E4A9-1405-4B4F-8BC3-512EE08D2EBF}"/>
+      <thm15:themeFamily xmlns="" xmlns:thm15="http://schemas.microsoft.com/office/thememl/2012/main" name="Berlin" id="{7B5DBA9E-B069-418E-9360-A61BDD0615A4}" vid="{B587E4A9-1405-4B4F-8BC3-512EE08D2EBF}"/>
     </a:ext>
   </a:extLst>
 </a:theme>
@@ -9739,7 +9730,7 @@
   <a:extraClrSchemeLst/>
   <a:extLst>
     <a:ext uri="{05A4C25C-085E-4340-85A3-A5531E510DB2}">
-      <thm15:themeFamily xmlns:thm15="http://schemas.microsoft.com/office/thememl/2012/main" xmlns="" name="Office Theme" id="{62F939B6-93AF-4DB8-9C6B-D6C7DFDC589F}" vid="{4A3C46E8-61CC-4603-A589-7422A47A8E4A}"/>
+      <thm15:themeFamily xmlns="" xmlns:thm15="http://schemas.microsoft.com/office/thememl/2012/main" name="Office Theme" id="{62F939B6-93AF-4DB8-9C6B-D6C7DFDC589F}" vid="{4A3C46E8-61CC-4603-A589-7422A47A8E4A}"/>
     </a:ext>
   </a:extLst>
 </a:theme>

--- a/Presentation.pptx
+++ b/Presentation.pptx
@@ -8975,8 +8975,13 @@
           <a:p>
             <a:r>
               <a:rPr lang="en-US" dirty="0" smtClean="0"/>
-              <a:t>The prediction button will show future predictions based on past data from the pantry, displayed in a graph.</a:t>
-            </a:r>
+              <a:t>The prediction button will show future predictions based on past data from the pantry, displayed in a </a:t>
+            </a:r>
+            <a:r>
+              <a:rPr lang="en-US" dirty="0" smtClean="0"/>
+              <a:t>graph, using ID and date.</a:t>
+            </a:r>
+            <a:endParaRPr lang="en-US" dirty="0" smtClean="0"/>
           </a:p>
           <a:p>
             <a:r>
@@ -8987,7 +8992,19 @@
           <a:p>
             <a:r>
               <a:rPr lang="en-US" dirty="0" smtClean="0"/>
-              <a:t>It will give you a report on what foods are predicted to be most/least in demand in the coming semesters, as well as patterns that are likely to occur (seasonal trends). </a:t>
+              <a:t>It will give you a report on </a:t>
+            </a:r>
+            <a:r>
+              <a:rPr lang="en-US" dirty="0" smtClean="0"/>
+              <a:t>the </a:t>
+            </a:r>
+            <a:r>
+              <a:rPr lang="en-US" smtClean="0"/>
+              <a:t>expected demand </a:t>
+            </a:r>
+            <a:r>
+              <a:rPr lang="en-US" dirty="0" smtClean="0"/>
+              <a:t>in the coming semesters, as well as patterns that are likely to occur (seasonal trends). </a:t>
             </a:r>
             <a:endParaRPr lang="en-US" dirty="0"/>
           </a:p>

--- a/Presentation.pptx
+++ b/Presentation.pptx
@@ -8476,7 +8476,11 @@
           <a:p>
             <a:r>
               <a:rPr lang="en-US" dirty="0" smtClean="0"/>
-              <a:t>On the faculty side, they will be able to keep track of inventory and the student orders coming in.</a:t>
+              <a:t>On the faculty side, they will be able to keep track of inventory and the student orders coming </a:t>
+            </a:r>
+            <a:r>
+              <a:rPr lang="en-US" dirty="0" smtClean="0"/>
+              <a:t>in, as well as add donated items.</a:t>
             </a:r>
             <a:endParaRPr lang="en-US" dirty="0"/>
           </a:p>
@@ -8996,11 +9000,7 @@
             </a:r>
             <a:r>
               <a:rPr lang="en-US" dirty="0" smtClean="0"/>
-              <a:t>the </a:t>
-            </a:r>
-            <a:r>
-              <a:rPr lang="en-US" smtClean="0"/>
-              <a:t>expected demand </a:t>
+              <a:t>the expected demand </a:t>
             </a:r>
             <a:r>
               <a:rPr lang="en-US" dirty="0" smtClean="0"/>
